--- a/남유림/web/웹 프로젝트 계획 발표 ppt - 복사본.pptx
+++ b/남유림/web/웹 프로젝트 계획 발표 ppt - 복사본.pptx
@@ -258,7 +258,7 @@
           <a:p>
             <a:fld id="{C4E254EC-5C4D-4D9D-AB71-225D52652E41}" type="datetimeFigureOut">
               <a:rPr lang="ko-KR" altLang="en-US" smtClean="0"/>
-              <a:t>2018-05-10</a:t>
+              <a:t>2018-05-11</a:t>
             </a:fld>
             <a:endParaRPr lang="ko-KR" altLang="en-US"/>
           </a:p>
@@ -426,7 +426,7 @@
           <a:p>
             <a:fld id="{C4E254EC-5C4D-4D9D-AB71-225D52652E41}" type="datetimeFigureOut">
               <a:rPr lang="ko-KR" altLang="en-US" smtClean="0"/>
-              <a:t>2018-05-10</a:t>
+              <a:t>2018-05-11</a:t>
             </a:fld>
             <a:endParaRPr lang="ko-KR" altLang="en-US"/>
           </a:p>
@@ -604,7 +604,7 @@
           <a:p>
             <a:fld id="{C4E254EC-5C4D-4D9D-AB71-225D52652E41}" type="datetimeFigureOut">
               <a:rPr lang="ko-KR" altLang="en-US" smtClean="0"/>
-              <a:t>2018-05-10</a:t>
+              <a:t>2018-05-11</a:t>
             </a:fld>
             <a:endParaRPr lang="ko-KR" altLang="en-US"/>
           </a:p>
@@ -772,7 +772,7 @@
           <a:p>
             <a:fld id="{C4E254EC-5C4D-4D9D-AB71-225D52652E41}" type="datetimeFigureOut">
               <a:rPr lang="ko-KR" altLang="en-US" smtClean="0"/>
-              <a:t>2018-05-10</a:t>
+              <a:t>2018-05-11</a:t>
             </a:fld>
             <a:endParaRPr lang="ko-KR" altLang="en-US"/>
           </a:p>
@@ -1017,7 +1017,7 @@
           <a:p>
             <a:fld id="{C4E254EC-5C4D-4D9D-AB71-225D52652E41}" type="datetimeFigureOut">
               <a:rPr lang="ko-KR" altLang="en-US" smtClean="0"/>
-              <a:t>2018-05-10</a:t>
+              <a:t>2018-05-11</a:t>
             </a:fld>
             <a:endParaRPr lang="ko-KR" altLang="en-US"/>
           </a:p>
@@ -1246,7 +1246,7 @@
           <a:p>
             <a:fld id="{C4E254EC-5C4D-4D9D-AB71-225D52652E41}" type="datetimeFigureOut">
               <a:rPr lang="ko-KR" altLang="en-US" smtClean="0"/>
-              <a:t>2018-05-10</a:t>
+              <a:t>2018-05-11</a:t>
             </a:fld>
             <a:endParaRPr lang="ko-KR" altLang="en-US"/>
           </a:p>
@@ -1610,7 +1610,7 @@
           <a:p>
             <a:fld id="{C4E254EC-5C4D-4D9D-AB71-225D52652E41}" type="datetimeFigureOut">
               <a:rPr lang="ko-KR" altLang="en-US" smtClean="0"/>
-              <a:t>2018-05-10</a:t>
+              <a:t>2018-05-11</a:t>
             </a:fld>
             <a:endParaRPr lang="ko-KR" altLang="en-US"/>
           </a:p>
@@ -1727,7 +1727,7 @@
           <a:p>
             <a:fld id="{C4E254EC-5C4D-4D9D-AB71-225D52652E41}" type="datetimeFigureOut">
               <a:rPr lang="ko-KR" altLang="en-US" smtClean="0"/>
-              <a:t>2018-05-10</a:t>
+              <a:t>2018-05-11</a:t>
             </a:fld>
             <a:endParaRPr lang="ko-KR" altLang="en-US"/>
           </a:p>
@@ -1822,7 +1822,7 @@
           <a:p>
             <a:fld id="{C4E254EC-5C4D-4D9D-AB71-225D52652E41}" type="datetimeFigureOut">
               <a:rPr lang="ko-KR" altLang="en-US" smtClean="0"/>
-              <a:t>2018-05-10</a:t>
+              <a:t>2018-05-11</a:t>
             </a:fld>
             <a:endParaRPr lang="ko-KR" altLang="en-US"/>
           </a:p>
@@ -2097,7 +2097,7 @@
           <a:p>
             <a:fld id="{C4E254EC-5C4D-4D9D-AB71-225D52652E41}" type="datetimeFigureOut">
               <a:rPr lang="ko-KR" altLang="en-US" smtClean="0"/>
-              <a:t>2018-05-10</a:t>
+              <a:t>2018-05-11</a:t>
             </a:fld>
             <a:endParaRPr lang="ko-KR" altLang="en-US"/>
           </a:p>
@@ -2349,7 +2349,7 @@
           <a:p>
             <a:fld id="{C4E254EC-5C4D-4D9D-AB71-225D52652E41}" type="datetimeFigureOut">
               <a:rPr lang="ko-KR" altLang="en-US" smtClean="0"/>
-              <a:t>2018-05-10</a:t>
+              <a:t>2018-05-11</a:t>
             </a:fld>
             <a:endParaRPr lang="ko-KR" altLang="en-US"/>
           </a:p>
@@ -2560,7 +2560,7 @@
           <a:p>
             <a:fld id="{C4E254EC-5C4D-4D9D-AB71-225D52652E41}" type="datetimeFigureOut">
               <a:rPr lang="ko-KR" altLang="en-US" smtClean="0"/>
-              <a:t>2018-05-10</a:t>
+              <a:t>2018-05-11</a:t>
             </a:fld>
             <a:endParaRPr lang="ko-KR" altLang="en-US"/>
           </a:p>
@@ -4294,42 +4294,6 @@
           </a:prstGeom>
         </p:spPr>
       </p:pic>
-      <p:pic>
-        <p:nvPicPr>
-          <p:cNvPr id="14" name="그림 13">
-            <a:extLst>
-              <a:ext uri="{FF2B5EF4-FFF2-40B4-BE49-F238E27FC236}">
-                <a16:creationId xmlns:a16="http://schemas.microsoft.com/office/drawing/2014/main" id="{AC2DED3D-B905-4657-951D-1F06FADABD58}"/>
-              </a:ext>
-            </a:extLst>
-          </p:cNvPr>
-          <p:cNvPicPr>
-            <a:picLocks noChangeAspect="1"/>
-          </p:cNvPicPr>
-          <p:nvPr/>
-        </p:nvPicPr>
-        <p:blipFill>
-          <a:blip r:embed="rId3">
-            <a:extLst>
-              <a:ext uri="{28A0092B-C50C-407E-A947-70E740481C1C}">
-                <a14:useLocalDpi xmlns:a14="http://schemas.microsoft.com/office/drawing/2010/main" val="0"/>
-              </a:ext>
-            </a:extLst>
-          </a:blip>
-          <a:stretch>
-            <a:fillRect/>
-          </a:stretch>
-        </p:blipFill>
-        <p:spPr>
-          <a:xfrm>
-            <a:off x="325518" y="3023671"/>
-            <a:ext cx="4954634" cy="2719434"/>
-          </a:xfrm>
-          <a:prstGeom prst="rect">
-            <a:avLst/>
-          </a:prstGeom>
-        </p:spPr>
-      </p:pic>
       <p:sp>
         <p:nvSpPr>
           <p:cNvPr id="15" name="TextBox 14">
@@ -4413,6 +4377,78 @@
           </a:p>
         </p:txBody>
       </p:sp>
+      <p:pic>
+        <p:nvPicPr>
+          <p:cNvPr id="9" name="그림 8">
+            <a:extLst>
+              <a:ext uri="{FF2B5EF4-FFF2-40B4-BE49-F238E27FC236}">
+                <a16:creationId xmlns:a16="http://schemas.microsoft.com/office/drawing/2014/main" id="{FE25ABC5-EB57-4693-B50E-70A5FAF71493}"/>
+              </a:ext>
+            </a:extLst>
+          </p:cNvPr>
+          <p:cNvPicPr>
+            <a:picLocks noChangeAspect="1"/>
+          </p:cNvPicPr>
+          <p:nvPr/>
+        </p:nvPicPr>
+        <p:blipFill>
+          <a:blip r:embed="rId3">
+            <a:extLst>
+              <a:ext uri="{28A0092B-C50C-407E-A947-70E740481C1C}">
+                <a14:useLocalDpi xmlns:a14="http://schemas.microsoft.com/office/drawing/2010/main" val="0"/>
+              </a:ext>
+            </a:extLst>
+          </a:blip>
+          <a:stretch>
+            <a:fillRect/>
+          </a:stretch>
+        </p:blipFill>
+        <p:spPr>
+          <a:xfrm>
+            <a:off x="7766984" y="3197275"/>
+            <a:ext cx="2343477" cy="2581694"/>
+          </a:xfrm>
+          <a:prstGeom prst="rect">
+            <a:avLst/>
+          </a:prstGeom>
+        </p:spPr>
+      </p:pic>
+      <p:pic>
+        <p:nvPicPr>
+          <p:cNvPr id="3" name="그림 2">
+            <a:extLst>
+              <a:ext uri="{FF2B5EF4-FFF2-40B4-BE49-F238E27FC236}">
+                <a16:creationId xmlns:a16="http://schemas.microsoft.com/office/drawing/2014/main" id="{AB8B7C18-97A1-48CD-B47B-05232E0F5248}"/>
+              </a:ext>
+            </a:extLst>
+          </p:cNvPr>
+          <p:cNvPicPr>
+            <a:picLocks noChangeAspect="1"/>
+          </p:cNvPicPr>
+          <p:nvPr/>
+        </p:nvPicPr>
+        <p:blipFill>
+          <a:blip r:embed="rId4">
+            <a:extLst>
+              <a:ext uri="{28A0092B-C50C-407E-A947-70E740481C1C}">
+                <a14:useLocalDpi xmlns:a14="http://schemas.microsoft.com/office/drawing/2010/main" val="0"/>
+              </a:ext>
+            </a:extLst>
+          </a:blip>
+          <a:stretch>
+            <a:fillRect/>
+          </a:stretch>
+        </p:blipFill>
+        <p:spPr>
+          <a:xfrm>
+            <a:off x="589723" y="2945897"/>
+            <a:ext cx="5277141" cy="3005505"/>
+          </a:xfrm>
+          <a:prstGeom prst="rect">
+            <a:avLst/>
+          </a:prstGeom>
+        </p:spPr>
+      </p:pic>
     </p:spTree>
     <p:extLst>
       <p:ext uri="{BB962C8B-B14F-4D97-AF65-F5344CB8AC3E}">
@@ -4423,6 +4459,81 @@
   <p:clrMapOvr>
     <a:masterClrMapping/>
   </p:clrMapOvr>
+  <p:timing>
+    <p:tnLst>
+      <p:par>
+        <p:cTn id="1" dur="indefinite" restart="never" nodeType="tmRoot">
+          <p:childTnLst>
+            <p:seq concurrent="1" nextAc="seek">
+              <p:cTn id="2" dur="indefinite" nodeType="mainSeq">
+                <p:childTnLst>
+                  <p:par>
+                    <p:cTn id="3" fill="hold">
+                      <p:stCondLst>
+                        <p:cond delay="indefinite"/>
+                      </p:stCondLst>
+                      <p:childTnLst>
+                        <p:par>
+                          <p:cTn id="4" fill="hold">
+                            <p:stCondLst>
+                              <p:cond delay="0"/>
+                            </p:stCondLst>
+                            <p:childTnLst>
+                              <p:par>
+                                <p:cTn id="5" presetID="1" presetClass="entr" presetSubtype="0" fill="hold" nodeType="clickEffect">
+                                  <p:stCondLst>
+                                    <p:cond delay="0"/>
+                                  </p:stCondLst>
+                                  <p:childTnLst>
+                                    <p:set>
+                                      <p:cBhvr>
+                                        <p:cTn id="6" dur="1" fill="hold">
+                                          <p:stCondLst>
+                                            <p:cond delay="0"/>
+                                          </p:stCondLst>
+                                        </p:cTn>
+                                        <p:tgtEl>
+                                          <p:spTgt spid="9"/>
+                                        </p:tgtEl>
+                                        <p:attrNameLst>
+                                          <p:attrName>style.visibility</p:attrName>
+                                        </p:attrNameLst>
+                                      </p:cBhvr>
+                                      <p:to>
+                                        <p:strVal val="visible"/>
+                                      </p:to>
+                                    </p:set>
+                                  </p:childTnLst>
+                                </p:cTn>
+                              </p:par>
+                            </p:childTnLst>
+                          </p:cTn>
+                        </p:par>
+                      </p:childTnLst>
+                    </p:cTn>
+                  </p:par>
+                </p:childTnLst>
+              </p:cTn>
+              <p:prevCondLst>
+                <p:cond evt="onPrev" delay="0">
+                  <p:tgtEl>
+                    <p:sldTgt/>
+                  </p:tgtEl>
+                </p:cond>
+              </p:prevCondLst>
+              <p:nextCondLst>
+                <p:cond evt="onNext" delay="0">
+                  <p:tgtEl>
+                    <p:sldTgt/>
+                  </p:tgtEl>
+                </p:cond>
+              </p:nextCondLst>
+            </p:seq>
+          </p:childTnLst>
+        </p:cTn>
+      </p:par>
+    </p:tnLst>
+  </p:timing>
 </p:sld>
 </file>
 
@@ -5019,10 +5130,10 @@
       </p:sp>
       <p:pic>
         <p:nvPicPr>
-          <p:cNvPr id="14" name="그림 13">
+          <p:cNvPr id="3" name="그림 2">
             <a:extLst>
               <a:ext uri="{FF2B5EF4-FFF2-40B4-BE49-F238E27FC236}">
-                <a16:creationId xmlns:a16="http://schemas.microsoft.com/office/drawing/2014/main" id="{FC03E128-18F0-4679-97DB-8DDCAD565E53}"/>
+                <a16:creationId xmlns:a16="http://schemas.microsoft.com/office/drawing/2014/main" id="{E37C1321-61C8-4307-8314-64066B08C0F8}"/>
               </a:ext>
             </a:extLst>
           </p:cNvPr>
@@ -5045,8 +5156,8 @@
         </p:blipFill>
         <p:spPr>
           <a:xfrm>
-            <a:off x="3719868" y="1510750"/>
-            <a:ext cx="8055623" cy="4421464"/>
+            <a:off x="3502679" y="1574112"/>
+            <a:ext cx="8348342" cy="4421464"/>
           </a:xfrm>
           <a:prstGeom prst="rect">
             <a:avLst/>
